--- a/IT-университет_Аналитика_Python (1).pptx
+++ b/IT-университет_Аналитика_Python (1).pptx
@@ -243,7 +243,7 @@
           <a:p>
             <a:fld id="{3287979E-68A7-45F8-8A0D-245CA2FBE985}" type="datetimeFigureOut">
               <a:rPr lang="ru-RU" smtClean="0"/>
-              <a:t>16.05.2019</a:t>
+              <a:t>20.05.2019</a:t>
             </a:fld>
             <a:endParaRPr lang="ru-RU"/>
           </a:p>
@@ -1065,7 +1065,7 @@
           <a:p>
             <a:fld id="{05B7E296-FAA5-4318-A85A-6EE0B2DCA8E9}" type="datetime1">
               <a:rPr lang="ru-RU" smtClean="0"/>
-              <a:t>16.05.2019</a:t>
+              <a:t>20.05.2019</a:t>
             </a:fld>
             <a:endParaRPr lang="ru-RU"/>
           </a:p>
@@ -1266,7 +1266,7 @@
           <a:p>
             <a:fld id="{E98697A8-B11D-48F2-BBF9-53FDCAEEAFC3}" type="datetime1">
               <a:rPr lang="ru-RU" smtClean="0"/>
-              <a:t>16.05.2019</a:t>
+              <a:t>20.05.2019</a:t>
             </a:fld>
             <a:endParaRPr lang="ru-RU"/>
           </a:p>
@@ -1477,7 +1477,7 @@
           <a:p>
             <a:fld id="{CDA8FECB-663B-4DEF-898E-8C82F3891E47}" type="datetime1">
               <a:rPr lang="ru-RU" smtClean="0"/>
-              <a:t>16.05.2019</a:t>
+              <a:t>20.05.2019</a:t>
             </a:fld>
             <a:endParaRPr lang="ru-RU"/>
           </a:p>
@@ -1678,7 +1678,7 @@
           <a:p>
             <a:fld id="{E219E62A-E826-4660-9324-7A6BE2BE8943}" type="datetime1">
               <a:rPr lang="ru-RU" smtClean="0"/>
-              <a:t>16.05.2019</a:t>
+              <a:t>20.05.2019</a:t>
             </a:fld>
             <a:endParaRPr lang="ru-RU"/>
           </a:p>
@@ -1956,7 +1956,7 @@
           <a:p>
             <a:fld id="{41D4FCF6-BAFC-4424-AB6E-2E0E4B14F26E}" type="datetime1">
               <a:rPr lang="ru-RU" smtClean="0"/>
-              <a:t>16.05.2019</a:t>
+              <a:t>20.05.2019</a:t>
             </a:fld>
             <a:endParaRPr lang="ru-RU"/>
           </a:p>
@@ -2224,7 +2224,7 @@
           <a:p>
             <a:fld id="{5D4DE32E-C226-4572-A0F0-9A00FBEC15DF}" type="datetime1">
               <a:rPr lang="ru-RU" smtClean="0"/>
-              <a:t>16.05.2019</a:t>
+              <a:t>20.05.2019</a:t>
             </a:fld>
             <a:endParaRPr lang="ru-RU"/>
           </a:p>
@@ -2639,7 +2639,7 @@
           <a:p>
             <a:fld id="{2A09A793-0618-42E0-A4D4-C6760CF3055C}" type="datetime1">
               <a:rPr lang="ru-RU" smtClean="0"/>
-              <a:t>16.05.2019</a:t>
+              <a:t>20.05.2019</a:t>
             </a:fld>
             <a:endParaRPr lang="ru-RU"/>
           </a:p>
@@ -2783,7 +2783,7 @@
           <a:p>
             <a:fld id="{A5496C54-C37F-4468-8D45-16C2E51D3489}" type="datetime1">
               <a:rPr lang="ru-RU" smtClean="0"/>
-              <a:t>16.05.2019</a:t>
+              <a:t>20.05.2019</a:t>
             </a:fld>
             <a:endParaRPr lang="ru-RU"/>
           </a:p>
@@ -2899,7 +2899,7 @@
           <a:p>
             <a:fld id="{CA01BCE0-4FE3-47F2-B6CE-7D40789274CA}" type="datetime1">
               <a:rPr lang="ru-RU" smtClean="0"/>
-              <a:t>16.05.2019</a:t>
+              <a:t>20.05.2019</a:t>
             </a:fld>
             <a:endParaRPr lang="ru-RU"/>
           </a:p>
@@ -3213,7 +3213,7 @@
           <a:p>
             <a:fld id="{AAC4ED71-257F-45F8-AD4D-F52B7F3B4A9C}" type="datetime1">
               <a:rPr lang="ru-RU" smtClean="0"/>
-              <a:t>16.05.2019</a:t>
+              <a:t>20.05.2019</a:t>
             </a:fld>
             <a:endParaRPr lang="ru-RU"/>
           </a:p>
@@ -3504,7 +3504,7 @@
           <a:p>
             <a:fld id="{B3C64839-8E43-49A4-8757-399E14FE5D14}" type="datetime1">
               <a:rPr lang="ru-RU" smtClean="0"/>
-              <a:t>16.05.2019</a:t>
+              <a:t>20.05.2019</a:t>
             </a:fld>
             <a:endParaRPr lang="ru-RU"/>
           </a:p>
@@ -3748,7 +3748,7 @@
           <a:p>
             <a:fld id="{495229B1-A285-4258-927F-C919338E9A0F}" type="datetime1">
               <a:rPr lang="ru-RU" smtClean="0"/>
-              <a:t>16.05.2019</a:t>
+              <a:t>20.05.2019</a:t>
             </a:fld>
             <a:endParaRPr lang="ru-RU"/>
           </a:p>
@@ -4395,7 +4395,7 @@
           <p:nvPr/>
         </p:nvPicPr>
         <p:blipFill>
-          <a:blip r:embed="rId5">
+          <a:blip r:embed="rId5" cstate="hqprint">
             <a:extLst>
               <a:ext uri="{28A0092B-C50C-407E-A947-70E740481C1C}">
                 <a14:useLocalDpi xmlns:a14="http://schemas.microsoft.com/office/drawing/2010/main" val="0"/>
@@ -4566,7 +4566,7 @@
               <a:rPr lang="ru-RU" smtClean="0">
                 <a:latin typeface="Consolas" panose="020B0609020204030204" pitchFamily="49" charset="0"/>
               </a:rPr>
-              <a:t>16.05.2019</a:t>
+              <a:t>20.05.2019</a:t>
             </a:fld>
             <a:endParaRPr lang="ru-RU">
               <a:latin typeface="Consolas" panose="020B0609020204030204" pitchFamily="49" charset="0"/>
@@ -4931,7 +4931,7 @@
               <a:rPr lang="ru-RU" smtClean="0">
                 <a:latin typeface="Consolas" panose="020B0609020204030204" pitchFamily="49" charset="0"/>
               </a:rPr>
-              <a:t>16.05.2019</a:t>
+              <a:t>20.05.2019</a:t>
             </a:fld>
             <a:endParaRPr lang="ru-RU">
               <a:latin typeface="Consolas" panose="020B0609020204030204" pitchFamily="49" charset="0"/>
@@ -5123,7 +5123,7 @@
               <a:rPr lang="ru-RU" smtClean="0">
                 <a:latin typeface="Consolas" panose="020B0609020204030204" pitchFamily="49" charset="0"/>
               </a:rPr>
-              <a:t>16.05.2019</a:t>
+              <a:t>20.05.2019</a:t>
             </a:fld>
             <a:endParaRPr lang="ru-RU">
               <a:latin typeface="Consolas" panose="020B0609020204030204" pitchFamily="49" charset="0"/>
@@ -5433,7 +5433,7 @@
               <a:rPr lang="ru-RU" smtClean="0">
                 <a:latin typeface="Consolas" panose="020B0609020204030204" pitchFamily="49" charset="0"/>
               </a:rPr>
-              <a:t>16.05.2019</a:t>
+              <a:t>20.05.2019</a:t>
             </a:fld>
             <a:endParaRPr lang="ru-RU">
               <a:latin typeface="Consolas" panose="020B0609020204030204" pitchFamily="49" charset="0"/>
@@ -5660,7 +5660,7 @@
               <a:rPr lang="ru-RU" smtClean="0">
                 <a:latin typeface="Consolas" panose="020B0609020204030204" pitchFamily="49" charset="0"/>
               </a:rPr>
-              <a:t>16.05.2019</a:t>
+              <a:t>20.05.2019</a:t>
             </a:fld>
             <a:endParaRPr lang="ru-RU">
               <a:latin typeface="Consolas" panose="020B0609020204030204" pitchFamily="49" charset="0"/>
@@ -5924,7 +5924,7 @@
               <a:rPr lang="ru-RU" smtClean="0">
                 <a:latin typeface="Consolas" panose="020B0609020204030204" pitchFamily="49" charset="0"/>
               </a:rPr>
-              <a:t>16.05.2019</a:t>
+              <a:t>20.05.2019</a:t>
             </a:fld>
             <a:endParaRPr lang="ru-RU">
               <a:latin typeface="Consolas" panose="020B0609020204030204" pitchFamily="49" charset="0"/>
@@ -6270,7 +6270,7 @@
               <a:rPr lang="ru-RU" smtClean="0">
                 <a:latin typeface="Consolas" panose="020B0609020204030204" pitchFamily="49" charset="0"/>
               </a:rPr>
-              <a:t>16.05.2019</a:t>
+              <a:t>20.05.2019</a:t>
             </a:fld>
             <a:endParaRPr lang="ru-RU">
               <a:latin typeface="Consolas" panose="020B0609020204030204" pitchFamily="49" charset="0"/>
@@ -6676,7 +6676,7 @@
               <a:rPr lang="ru-RU" smtClean="0">
                 <a:latin typeface="Consolas" panose="020B0609020204030204" pitchFamily="49" charset="0"/>
               </a:rPr>
-              <a:t>16.05.2019</a:t>
+              <a:t>20.05.2019</a:t>
             </a:fld>
             <a:endParaRPr lang="ru-RU">
               <a:latin typeface="Consolas" panose="020B0609020204030204" pitchFamily="49" charset="0"/>
@@ -6955,7 +6955,7 @@
               <a:rPr lang="ru-RU" smtClean="0">
                 <a:latin typeface="Consolas" panose="020B0609020204030204" pitchFamily="49" charset="0"/>
               </a:rPr>
-              <a:t>16.05.2019</a:t>
+              <a:t>20.05.2019</a:t>
             </a:fld>
             <a:endParaRPr lang="ru-RU">
               <a:latin typeface="Consolas" panose="020B0609020204030204" pitchFamily="49" charset="0"/>
@@ -7243,7 +7243,7 @@
               <a:rPr lang="ru-RU" smtClean="0">
                 <a:latin typeface="Consolas" panose="020B0609020204030204" pitchFamily="49" charset="0"/>
               </a:rPr>
-              <a:t>16.05.2019</a:t>
+              <a:t>20.05.2019</a:t>
             </a:fld>
             <a:endParaRPr lang="ru-RU">
               <a:latin typeface="Consolas" panose="020B0609020204030204" pitchFamily="49" charset="0"/>
@@ -7655,7 +7655,7 @@
               <a:rPr lang="ru-RU" smtClean="0">
                 <a:latin typeface="Consolas" panose="020B0609020204030204" pitchFamily="49" charset="0"/>
               </a:rPr>
-              <a:t>16.05.2019</a:t>
+              <a:t>20.05.2019</a:t>
             </a:fld>
             <a:endParaRPr lang="ru-RU">
               <a:latin typeface="Consolas" panose="020B0609020204030204" pitchFamily="49" charset="0"/>
@@ -7906,7 +7906,7 @@
               <a:rPr lang="ru-RU" smtClean="0">
                 <a:latin typeface="Consolas" panose="020B0609020204030204" pitchFamily="49" charset="0"/>
               </a:rPr>
-              <a:t>16.05.2019</a:t>
+              <a:t>20.05.2019</a:t>
             </a:fld>
             <a:endParaRPr lang="ru-RU">
               <a:latin typeface="Consolas" panose="020B0609020204030204" pitchFamily="49" charset="0"/>
@@ -8254,7 +8254,7 @@
               <a:rPr lang="ru-RU" smtClean="0">
                 <a:latin typeface="Consolas" panose="020B0609020204030204" pitchFamily="49" charset="0"/>
               </a:rPr>
-              <a:t>16.05.2019</a:t>
+              <a:t>20.05.2019</a:t>
             </a:fld>
             <a:endParaRPr lang="ru-RU">
               <a:latin typeface="Consolas" panose="020B0609020204030204" pitchFamily="49" charset="0"/>
@@ -8547,7 +8547,7 @@
               <a:rPr lang="ru-RU" smtClean="0">
                 <a:latin typeface="Consolas" panose="020B0609020204030204" pitchFamily="49" charset="0"/>
               </a:rPr>
-              <a:t>16.05.2019</a:t>
+              <a:t>20.05.2019</a:t>
             </a:fld>
             <a:endParaRPr lang="ru-RU">
               <a:latin typeface="Consolas" panose="020B0609020204030204" pitchFamily="49" charset="0"/>
@@ -8938,7 +8938,7 @@
               <a:rPr lang="ru-RU" smtClean="0">
                 <a:latin typeface="Consolas" panose="020B0609020204030204" pitchFamily="49" charset="0"/>
               </a:rPr>
-              <a:t>16.05.2019</a:t>
+              <a:t>20.05.2019</a:t>
             </a:fld>
             <a:endParaRPr lang="ru-RU">
               <a:latin typeface="Consolas" panose="020B0609020204030204" pitchFamily="49" charset="0"/>
@@ -9170,7 +9170,7 @@
               <a:rPr lang="ru-RU" smtClean="0">
                 <a:latin typeface="Consolas" panose="020B0609020204030204" pitchFamily="49" charset="0"/>
               </a:rPr>
-              <a:t>16.05.2019</a:t>
+              <a:t>20.05.2019</a:t>
             </a:fld>
             <a:endParaRPr lang="ru-RU">
               <a:latin typeface="Consolas" panose="020B0609020204030204" pitchFamily="49" charset="0"/>
@@ -9436,7 +9436,7 @@
               <a:rPr lang="ru-RU" smtClean="0">
                 <a:latin typeface="Consolas" panose="020B0609020204030204" pitchFamily="49" charset="0"/>
               </a:rPr>
-              <a:t>16.05.2019</a:t>
+              <a:t>20.05.2019</a:t>
             </a:fld>
             <a:endParaRPr lang="ru-RU">
               <a:latin typeface="Consolas" panose="020B0609020204030204" pitchFamily="49" charset="0"/>
@@ -9702,7 +9702,7 @@
               <a:rPr lang="ru-RU" smtClean="0">
                 <a:latin typeface="Consolas" panose="020B0609020204030204" pitchFamily="49" charset="0"/>
               </a:rPr>
-              <a:t>16.05.2019</a:t>
+              <a:t>20.05.2019</a:t>
             </a:fld>
             <a:endParaRPr lang="ru-RU">
               <a:latin typeface="Consolas" panose="020B0609020204030204" pitchFamily="49" charset="0"/>
@@ -9968,7 +9968,7 @@
               <a:rPr lang="ru-RU" smtClean="0">
                 <a:latin typeface="Consolas" panose="020B0609020204030204" pitchFamily="49" charset="0"/>
               </a:rPr>
-              <a:t>16.05.2019</a:t>
+              <a:t>20.05.2019</a:t>
             </a:fld>
             <a:endParaRPr lang="ru-RU">
               <a:latin typeface="Consolas" panose="020B0609020204030204" pitchFamily="49" charset="0"/>
@@ -10498,7 +10498,7 @@
               <a:rPr lang="ru-RU" smtClean="0">
                 <a:latin typeface="Consolas" panose="020B0609020204030204" pitchFamily="49" charset="0"/>
               </a:rPr>
-              <a:t>16.05.2019</a:t>
+              <a:t>20.05.2019</a:t>
             </a:fld>
             <a:endParaRPr lang="ru-RU">
               <a:latin typeface="Consolas" panose="020B0609020204030204" pitchFamily="49" charset="0"/>
@@ -10787,7 +10787,7 @@
               <a:rPr lang="ru-RU" smtClean="0">
                 <a:latin typeface="Consolas" panose="020B0609020204030204" pitchFamily="49" charset="0"/>
               </a:rPr>
-              <a:t>16.05.2019</a:t>
+              <a:t>20.05.2019</a:t>
             </a:fld>
             <a:endParaRPr lang="ru-RU">
               <a:latin typeface="Consolas" panose="020B0609020204030204" pitchFamily="49" charset="0"/>
@@ -11058,7 +11058,7 @@
               <a:rPr lang="ru-RU" smtClean="0">
                 <a:latin typeface="Consolas" panose="020B0609020204030204" pitchFamily="49" charset="0"/>
               </a:rPr>
-              <a:t>16.05.2019</a:t>
+              <a:t>20.05.2019</a:t>
             </a:fld>
             <a:endParaRPr lang="ru-RU">
               <a:latin typeface="Consolas" panose="020B0609020204030204" pitchFamily="49" charset="0"/>
@@ -11250,7 +11250,7 @@
               <a:rPr lang="ru-RU" smtClean="0">
                 <a:latin typeface="Consolas" panose="020B0609020204030204" pitchFamily="49" charset="0"/>
               </a:rPr>
-              <a:t>16.05.2019</a:t>
+              <a:t>20.05.2019</a:t>
             </a:fld>
             <a:endParaRPr lang="ru-RU">
               <a:latin typeface="Consolas" panose="020B0609020204030204" pitchFamily="49" charset="0"/>
@@ -11476,7 +11476,7 @@
               <a:rPr lang="ru-RU" smtClean="0">
                 <a:latin typeface="Consolas" panose="020B0609020204030204" pitchFamily="49" charset="0"/>
               </a:rPr>
-              <a:t>16.05.2019</a:t>
+              <a:t>20.05.2019</a:t>
             </a:fld>
             <a:endParaRPr lang="ru-RU">
               <a:latin typeface="Consolas" panose="020B0609020204030204" pitchFamily="49" charset="0"/>
@@ -11702,7 +11702,7 @@
               <a:rPr lang="ru-RU" smtClean="0">
                 <a:latin typeface="Consolas" panose="020B0609020204030204" pitchFamily="49" charset="0"/>
               </a:rPr>
-              <a:t>16.05.2019</a:t>
+              <a:t>20.05.2019</a:t>
             </a:fld>
             <a:endParaRPr lang="ru-RU">
               <a:latin typeface="Consolas" panose="020B0609020204030204" pitchFamily="49" charset="0"/>
@@ -11940,7 +11940,7 @@
               <a:rPr lang="ru-RU" smtClean="0">
                 <a:latin typeface="Consolas" panose="020B0609020204030204" pitchFamily="49" charset="0"/>
               </a:rPr>
-              <a:t>16.05.2019</a:t>
+              <a:t>20.05.2019</a:t>
             </a:fld>
             <a:endParaRPr lang="ru-RU">
               <a:latin typeface="Consolas" panose="020B0609020204030204" pitchFamily="49" charset="0"/>
@@ -12239,7 +12239,7 @@
               <a:rPr lang="ru-RU" smtClean="0">
                 <a:latin typeface="Consolas" panose="020B0609020204030204" pitchFamily="49" charset="0"/>
               </a:rPr>
-              <a:t>16.05.2019</a:t>
+              <a:t>20.05.2019</a:t>
             </a:fld>
             <a:endParaRPr lang="ru-RU">
               <a:latin typeface="Consolas" panose="020B0609020204030204" pitchFamily="49" charset="0"/>
@@ -12431,7 +12431,7 @@
               <a:rPr lang="ru-RU" smtClean="0">
                 <a:latin typeface="Consolas" panose="020B0609020204030204" pitchFamily="49" charset="0"/>
               </a:rPr>
-              <a:t>16.05.2019</a:t>
+              <a:t>20.05.2019</a:t>
             </a:fld>
             <a:endParaRPr lang="ru-RU">
               <a:latin typeface="Consolas" panose="020B0609020204030204" pitchFamily="49" charset="0"/>
@@ -12823,7 +12823,7 @@
               <a:rPr lang="ru-RU" smtClean="0">
                 <a:latin typeface="Consolas" panose="020B0609020204030204" pitchFamily="49" charset="0"/>
               </a:rPr>
-              <a:t>16.05.2019</a:t>
+              <a:t>20.05.2019</a:t>
             </a:fld>
             <a:endParaRPr lang="ru-RU">
               <a:latin typeface="Consolas" panose="020B0609020204030204" pitchFamily="49" charset="0"/>
@@ -13015,7 +13015,7 @@
               <a:rPr lang="ru-RU" smtClean="0">
                 <a:latin typeface="Consolas" panose="020B0609020204030204" pitchFamily="49" charset="0"/>
               </a:rPr>
-              <a:t>17.05.2019</a:t>
+              <a:t>20.05.2019</a:t>
             </a:fld>
             <a:endParaRPr lang="ru-RU">
               <a:latin typeface="Consolas" panose="020B0609020204030204" pitchFamily="49" charset="0"/>
@@ -13244,7 +13244,7 @@
               <a:rPr lang="ru-RU" smtClean="0">
                 <a:latin typeface="Consolas" panose="020B0609020204030204" pitchFamily="49" charset="0"/>
               </a:rPr>
-              <a:t>17.05.2019</a:t>
+              <a:t>20.05.2019</a:t>
             </a:fld>
             <a:endParaRPr lang="ru-RU">
               <a:latin typeface="Consolas" panose="020B0609020204030204" pitchFamily="49" charset="0"/>
@@ -13473,7 +13473,7 @@
               <a:rPr lang="ru-RU" smtClean="0">
                 <a:latin typeface="Consolas" panose="020B0609020204030204" pitchFamily="49" charset="0"/>
               </a:rPr>
-              <a:t>17.05.2019</a:t>
+              <a:t>20.05.2019</a:t>
             </a:fld>
             <a:endParaRPr lang="ru-RU">
               <a:latin typeface="Consolas" panose="020B0609020204030204" pitchFamily="49" charset="0"/>
@@ -13790,7 +13790,7 @@
               <a:rPr lang="ru-RU" smtClean="0">
                 <a:latin typeface="Consolas" panose="020B0609020204030204" pitchFamily="49" charset="0"/>
               </a:rPr>
-              <a:t>16.05.2019</a:t>
+              <a:t>20.05.2019</a:t>
             </a:fld>
             <a:endParaRPr lang="ru-RU">
               <a:latin typeface="Consolas" panose="020B0609020204030204" pitchFamily="49" charset="0"/>
@@ -13982,7 +13982,7 @@
               <a:rPr lang="ru-RU" smtClean="0">
                 <a:latin typeface="Consolas" panose="020B0609020204030204" pitchFamily="49" charset="0"/>
               </a:rPr>
-              <a:t>17.05.2019</a:t>
+              <a:t>20.05.2019</a:t>
             </a:fld>
             <a:endParaRPr lang="ru-RU">
               <a:latin typeface="Consolas" panose="020B0609020204030204" pitchFamily="49" charset="0"/>
@@ -14211,7 +14211,7 @@
               <a:rPr lang="ru-RU" smtClean="0">
                 <a:latin typeface="Consolas" panose="020B0609020204030204" pitchFamily="49" charset="0"/>
               </a:rPr>
-              <a:t>17.05.2019</a:t>
+              <a:t>20.05.2019</a:t>
             </a:fld>
             <a:endParaRPr lang="ru-RU">
               <a:latin typeface="Consolas" panose="020B0609020204030204" pitchFamily="49" charset="0"/>
@@ -14526,7 +14526,7 @@
               <a:rPr lang="ru-RU" smtClean="0">
                 <a:latin typeface="Consolas" panose="020B0609020204030204" pitchFamily="49" charset="0"/>
               </a:rPr>
-              <a:t>16.05.2019</a:t>
+              <a:t>20.05.2019</a:t>
             </a:fld>
             <a:endParaRPr lang="ru-RU">
               <a:latin typeface="Consolas" panose="020B0609020204030204" pitchFamily="49" charset="0"/>
@@ -14847,7 +14847,7 @@
               <a:rPr lang="ru-RU" smtClean="0">
                 <a:latin typeface="Consolas" panose="020B0609020204030204" pitchFamily="49" charset="0"/>
               </a:rPr>
-              <a:t>16.05.2019</a:t>
+              <a:t>20.05.2019</a:t>
             </a:fld>
             <a:endParaRPr lang="ru-RU">
               <a:latin typeface="Consolas" panose="020B0609020204030204" pitchFamily="49" charset="0"/>
@@ -15074,7 +15074,7 @@
               <a:rPr lang="ru-RU" smtClean="0">
                 <a:latin typeface="Consolas" panose="020B0609020204030204" pitchFamily="49" charset="0"/>
               </a:rPr>
-              <a:t>16.05.2019</a:t>
+              <a:t>20.05.2019</a:t>
             </a:fld>
             <a:endParaRPr lang="ru-RU">
               <a:latin typeface="Consolas" panose="020B0609020204030204" pitchFamily="49" charset="0"/>
@@ -15388,7 +15388,7 @@
               <a:rPr lang="ru-RU" smtClean="0">
                 <a:latin typeface="Consolas" panose="020B0609020204030204" pitchFamily="49" charset="0"/>
               </a:rPr>
-              <a:t>16.05.2019</a:t>
+              <a:t>20.05.2019</a:t>
             </a:fld>
             <a:endParaRPr lang="ru-RU">
               <a:latin typeface="Consolas" panose="020B0609020204030204" pitchFamily="49" charset="0"/>
@@ -15666,7 +15666,7 @@
               <a:rPr lang="ru-RU" smtClean="0">
                 <a:latin typeface="Consolas" panose="020B0609020204030204" pitchFamily="49" charset="0"/>
               </a:rPr>
-              <a:t>16.05.2019</a:t>
+              <a:t>20.05.2019</a:t>
             </a:fld>
             <a:endParaRPr lang="ru-RU">
               <a:latin typeface="Consolas" panose="020B0609020204030204" pitchFamily="49" charset="0"/>
@@ -15918,7 +15918,7 @@
               <a:rPr lang="ru-RU" smtClean="0">
                 <a:latin typeface="Consolas" panose="020B0609020204030204" pitchFamily="49" charset="0"/>
               </a:rPr>
-              <a:t>16.05.2019</a:t>
+              <a:t>20.05.2019</a:t>
             </a:fld>
             <a:endParaRPr lang="ru-RU">
               <a:latin typeface="Consolas" panose="020B0609020204030204" pitchFamily="49" charset="0"/>
@@ -16158,7 +16158,7 @@
               <a:rPr lang="ru-RU" smtClean="0">
                 <a:latin typeface="Consolas" panose="020B0609020204030204" pitchFamily="49" charset="0"/>
               </a:rPr>
-              <a:t>16.05.2019</a:t>
+              <a:t>20.05.2019</a:t>
             </a:fld>
             <a:endParaRPr lang="ru-RU">
               <a:latin typeface="Consolas" panose="020B0609020204030204" pitchFamily="49" charset="0"/>
@@ -16532,7 +16532,7 @@
               <a:rPr lang="ru-RU" smtClean="0">
                 <a:latin typeface="Consolas" panose="020B0609020204030204" pitchFamily="49" charset="0"/>
               </a:rPr>
-              <a:t>16.05.2019</a:t>
+              <a:t>20.05.2019</a:t>
             </a:fld>
             <a:endParaRPr lang="ru-RU">
               <a:latin typeface="Consolas" panose="020B0609020204030204" pitchFamily="49" charset="0"/>
@@ -16906,7 +16906,7 @@
               <a:rPr lang="ru-RU" smtClean="0">
                 <a:latin typeface="Consolas" panose="020B0609020204030204" pitchFamily="49" charset="0"/>
               </a:rPr>
-              <a:t>16.05.2019</a:t>
+              <a:t>20.05.2019</a:t>
             </a:fld>
             <a:endParaRPr lang="ru-RU">
               <a:latin typeface="Consolas" panose="020B0609020204030204" pitchFamily="49" charset="0"/>
@@ -17280,7 +17280,7 @@
               <a:rPr lang="ru-RU" smtClean="0">
                 <a:latin typeface="Consolas" panose="020B0609020204030204" pitchFamily="49" charset="0"/>
               </a:rPr>
-              <a:t>16.05.2019</a:t>
+              <a:t>20.05.2019</a:t>
             </a:fld>
             <a:endParaRPr lang="ru-RU">
               <a:latin typeface="Consolas" panose="020B0609020204030204" pitchFamily="49" charset="0"/>
@@ -17654,7 +17654,7 @@
               <a:rPr lang="ru-RU" smtClean="0">
                 <a:latin typeface="Consolas" panose="020B0609020204030204" pitchFamily="49" charset="0"/>
               </a:rPr>
-              <a:t>16.05.2019</a:t>
+              <a:t>20.05.2019</a:t>
             </a:fld>
             <a:endParaRPr lang="ru-RU">
               <a:latin typeface="Consolas" panose="020B0609020204030204" pitchFamily="49" charset="0"/>
